--- a/backup/presentation_notes.pptx
+++ b/backup/presentation_notes.pptx
@@ -235,7 +235,7 @@
           <a:p>
             <a:fld id="{2427289A-3381-4DAD-A0D0-5038EA10A2D4}" type="datetimeFigureOut">
               <a:rPr lang="en-US" smtClean="0"/>
-              <a:t>11/20/2025</a:t>
+              <a:t>11/23/2025</a:t>
             </a:fld>
             <a:endParaRPr lang="en-US"/>
           </a:p>
@@ -1547,16 +1547,34 @@
             </a:pPr>
             <a:r>
               <a:rPr lang="en-US" b="0" dirty="0"/>
-              <a:t>spiked as both assets sold off together. During the Fed tightening in March </a:t>
-            </a:r>
-          </a:p>
-          <a:p>
-            <a:pPr marL="0" lvl="0" indent="0">
-              <a:buNone/>
-            </a:pPr>
+              <a:t>spiked as both assets sold off together. During the Fed tightening (</a:t>
+            </a:r>
+            <a:r>
+              <a:rPr lang="en-US" sz="1200" b="0" i="0" kern="1200" dirty="0">
+                <a:solidFill>
+                  <a:schemeClr val="tx1"/>
+                </a:solidFill>
+                <a:effectLst/>
+                <a:latin typeface="+mn-lt"/>
+                <a:ea typeface="+mn-ea"/>
+                <a:cs typeface="+mn-cs"/>
+              </a:rPr>
+              <a:t>the Federal Reserve's monetary policy of making credit less available and more expensive to control inflation) </a:t>
+            </a:r>
+            <a:br>
+              <a:rPr lang="en-US" sz="1200" b="0" i="0" kern="1200" dirty="0">
+                <a:solidFill>
+                  <a:schemeClr val="tx1"/>
+                </a:solidFill>
+                <a:effectLst/>
+                <a:latin typeface="+mn-lt"/>
+                <a:ea typeface="+mn-ea"/>
+                <a:cs typeface="+mn-cs"/>
+              </a:rPr>
+            </a:br>
             <a:r>
               <a:rPr lang="en-US" b="0" dirty="0"/>
-              <a:t>2022, we can see how correlation behaved during monetary policy changes. The </a:t>
+              <a:t>in March 2022, we can see how correlation behaved during monetary policy changes. The </a:t>
             </a:r>
           </a:p>
           <a:p>
@@ -5050,7 +5068,7 @@
           <a:p>
             <a:fld id="{241EB5C9-1307-BA42-ABA2-0BC069CD8E7F}" type="datetimeFigureOut">
               <a:rPr lang="en-US" smtClean="0"/>
-              <a:t>11/20/2025</a:t>
+              <a:t>11/23/2025</a:t>
             </a:fld>
             <a:endParaRPr lang="en-US"/>
           </a:p>
@@ -5218,7 +5236,7 @@
           <a:p>
             <a:fld id="{241EB5C9-1307-BA42-ABA2-0BC069CD8E7F}" type="datetimeFigureOut">
               <a:rPr lang="en-US" smtClean="0"/>
-              <a:t>11/20/2025</a:t>
+              <a:t>11/23/2025</a:t>
             </a:fld>
             <a:endParaRPr lang="en-US"/>
           </a:p>
@@ -5396,7 +5414,7 @@
           <a:p>
             <a:fld id="{241EB5C9-1307-BA42-ABA2-0BC069CD8E7F}" type="datetimeFigureOut">
               <a:rPr lang="en-US" smtClean="0"/>
-              <a:t>11/20/2025</a:t>
+              <a:t>11/23/2025</a:t>
             </a:fld>
             <a:endParaRPr lang="en-US"/>
           </a:p>
@@ -5564,7 +5582,7 @@
           <a:p>
             <a:fld id="{241EB5C9-1307-BA42-ABA2-0BC069CD8E7F}" type="datetimeFigureOut">
               <a:rPr lang="en-US" smtClean="0"/>
-              <a:t>11/20/2025</a:t>
+              <a:t>11/23/2025</a:t>
             </a:fld>
             <a:endParaRPr lang="en-US"/>
           </a:p>
@@ -5809,7 +5827,7 @@
           <a:p>
             <a:fld id="{241EB5C9-1307-BA42-ABA2-0BC069CD8E7F}" type="datetimeFigureOut">
               <a:rPr lang="en-US" smtClean="0"/>
-              <a:t>11/20/2025</a:t>
+              <a:t>11/23/2025</a:t>
             </a:fld>
             <a:endParaRPr lang="en-US"/>
           </a:p>
@@ -6094,7 +6112,7 @@
           <a:p>
             <a:fld id="{241EB5C9-1307-BA42-ABA2-0BC069CD8E7F}" type="datetimeFigureOut">
               <a:rPr lang="en-US" smtClean="0"/>
-              <a:t>11/20/2025</a:t>
+              <a:t>11/23/2025</a:t>
             </a:fld>
             <a:endParaRPr lang="en-US"/>
           </a:p>
@@ -6513,7 +6531,7 @@
           <a:p>
             <a:fld id="{241EB5C9-1307-BA42-ABA2-0BC069CD8E7F}" type="datetimeFigureOut">
               <a:rPr lang="en-US" smtClean="0"/>
-              <a:t>11/20/2025</a:t>
+              <a:t>11/23/2025</a:t>
             </a:fld>
             <a:endParaRPr lang="en-US"/>
           </a:p>
@@ -6630,7 +6648,7 @@
           <a:p>
             <a:fld id="{241EB5C9-1307-BA42-ABA2-0BC069CD8E7F}" type="datetimeFigureOut">
               <a:rPr lang="en-US" smtClean="0"/>
-              <a:t>11/20/2025</a:t>
+              <a:t>11/23/2025</a:t>
             </a:fld>
             <a:endParaRPr lang="en-US"/>
           </a:p>
@@ -6725,7 +6743,7 @@
           <a:p>
             <a:fld id="{241EB5C9-1307-BA42-ABA2-0BC069CD8E7F}" type="datetimeFigureOut">
               <a:rPr lang="en-US" smtClean="0"/>
-              <a:t>11/20/2025</a:t>
+              <a:t>11/23/2025</a:t>
             </a:fld>
             <a:endParaRPr lang="en-US"/>
           </a:p>
@@ -7000,7 +7018,7 @@
           <a:p>
             <a:fld id="{241EB5C9-1307-BA42-ABA2-0BC069CD8E7F}" type="datetimeFigureOut">
               <a:rPr lang="en-US" smtClean="0"/>
-              <a:t>11/20/2025</a:t>
+              <a:t>11/23/2025</a:t>
             </a:fld>
             <a:endParaRPr lang="en-US"/>
           </a:p>
@@ -7252,7 +7270,7 @@
           <a:p>
             <a:fld id="{241EB5C9-1307-BA42-ABA2-0BC069CD8E7F}" type="datetimeFigureOut">
               <a:rPr lang="en-US" smtClean="0"/>
-              <a:t>11/20/2025</a:t>
+              <a:t>11/23/2025</a:t>
             </a:fld>
             <a:endParaRPr lang="en-US"/>
           </a:p>
@@ -7463,7 +7481,7 @@
           <a:p>
             <a:fld id="{241EB5C9-1307-BA42-ABA2-0BC069CD8E7F}" type="datetimeFigureOut">
               <a:rPr lang="en-US" smtClean="0"/>
-              <a:t>11/20/2025</a:t>
+              <a:t>11/23/2025</a:t>
             </a:fld>
             <a:endParaRPr lang="en-US"/>
           </a:p>
